--- a/DOC/北航1队答辩PPT.pptx
+++ b/DOC/北航1队答辩PPT.pptx
@@ -120,10 +120,6 @@
 </p:presentation>
 </file>
 
-<file path=ppt/revisionInfo.xml><?xml version="1.0" encoding="utf-8"?>
-<p1510:revInfo xmlns:a="http://schemas.openxmlformats.org/drawingml/2006/main" xmlns:r="http://schemas.openxmlformats.org/officeDocument/2006/relationships" xmlns:p1510="http://schemas.microsoft.com/office/powerpoint/2015/10/main"/>
-</file>
-
 <file path=ppt/slideLayouts/slideLayout1.xml><?xml version="1.0" encoding="utf-8"?>
 <p:sldLayout xmlns:a="http://schemas.openxmlformats.org/drawingml/2006/main" xmlns:r="http://schemas.openxmlformats.org/officeDocument/2006/relationships" xmlns:p="http://schemas.openxmlformats.org/presentationml/2006/main" type="title" preserve="1">
   <p:cSld name="标题幻灯片">
@@ -253,7 +249,7 @@
           <a:p>
             <a:fld id="{D89EF7DD-178B-4C96-A5A1-54F2ED06FEC6}" type="datetimeFigureOut">
               <a:rPr lang="zh-CN" altLang="en-US" smtClean="0"/>
-              <a:t>2017/9/23</a:t>
+              <a:t>2018/9/25</a:t>
             </a:fld>
             <a:endParaRPr lang="zh-CN" altLang="en-US"/>
           </a:p>
@@ -421,7 +417,7 @@
           <a:p>
             <a:fld id="{D89EF7DD-178B-4C96-A5A1-54F2ED06FEC6}" type="datetimeFigureOut">
               <a:rPr lang="zh-CN" altLang="en-US" smtClean="0"/>
-              <a:t>2017/9/23</a:t>
+              <a:t>2018/9/25</a:t>
             </a:fld>
             <a:endParaRPr lang="zh-CN" altLang="en-US"/>
           </a:p>
@@ -599,7 +595,7 @@
           <a:p>
             <a:fld id="{D89EF7DD-178B-4C96-A5A1-54F2ED06FEC6}" type="datetimeFigureOut">
               <a:rPr lang="zh-CN" altLang="en-US" smtClean="0"/>
-              <a:t>2017/9/23</a:t>
+              <a:t>2018/9/25</a:t>
             </a:fld>
             <a:endParaRPr lang="zh-CN" altLang="en-US"/>
           </a:p>
@@ -767,7 +763,7 @@
           <a:p>
             <a:fld id="{D89EF7DD-178B-4C96-A5A1-54F2ED06FEC6}" type="datetimeFigureOut">
               <a:rPr lang="zh-CN" altLang="en-US" smtClean="0"/>
-              <a:t>2017/9/23</a:t>
+              <a:t>2018/9/25</a:t>
             </a:fld>
             <a:endParaRPr lang="zh-CN" altLang="en-US"/>
           </a:p>
@@ -1012,7 +1008,7 @@
           <a:p>
             <a:fld id="{D89EF7DD-178B-4C96-A5A1-54F2ED06FEC6}" type="datetimeFigureOut">
               <a:rPr lang="zh-CN" altLang="en-US" smtClean="0"/>
-              <a:t>2017/9/23</a:t>
+              <a:t>2018/9/25</a:t>
             </a:fld>
             <a:endParaRPr lang="zh-CN" altLang="en-US"/>
           </a:p>
@@ -1241,7 +1237,7 @@
           <a:p>
             <a:fld id="{D89EF7DD-178B-4C96-A5A1-54F2ED06FEC6}" type="datetimeFigureOut">
               <a:rPr lang="zh-CN" altLang="en-US" smtClean="0"/>
-              <a:t>2017/9/23</a:t>
+              <a:t>2018/9/25</a:t>
             </a:fld>
             <a:endParaRPr lang="zh-CN" altLang="en-US"/>
           </a:p>
@@ -1605,7 +1601,7 @@
           <a:p>
             <a:fld id="{D89EF7DD-178B-4C96-A5A1-54F2ED06FEC6}" type="datetimeFigureOut">
               <a:rPr lang="zh-CN" altLang="en-US" smtClean="0"/>
-              <a:t>2017/9/23</a:t>
+              <a:t>2018/9/25</a:t>
             </a:fld>
             <a:endParaRPr lang="zh-CN" altLang="en-US"/>
           </a:p>
@@ -1722,7 +1718,7 @@
           <a:p>
             <a:fld id="{D89EF7DD-178B-4C96-A5A1-54F2ED06FEC6}" type="datetimeFigureOut">
               <a:rPr lang="zh-CN" altLang="en-US" smtClean="0"/>
-              <a:t>2017/9/23</a:t>
+              <a:t>2018/9/25</a:t>
             </a:fld>
             <a:endParaRPr lang="zh-CN" altLang="en-US"/>
           </a:p>
@@ -1817,7 +1813,7 @@
           <a:p>
             <a:fld id="{D89EF7DD-178B-4C96-A5A1-54F2ED06FEC6}" type="datetimeFigureOut">
               <a:rPr lang="zh-CN" altLang="en-US" smtClean="0"/>
-              <a:t>2017/9/23</a:t>
+              <a:t>2018/9/25</a:t>
             </a:fld>
             <a:endParaRPr lang="zh-CN" altLang="en-US"/>
           </a:p>
@@ -2092,7 +2088,7 @@
           <a:p>
             <a:fld id="{D89EF7DD-178B-4C96-A5A1-54F2ED06FEC6}" type="datetimeFigureOut">
               <a:rPr lang="zh-CN" altLang="en-US" smtClean="0"/>
-              <a:t>2017/9/23</a:t>
+              <a:t>2018/9/25</a:t>
             </a:fld>
             <a:endParaRPr lang="zh-CN" altLang="en-US"/>
           </a:p>
@@ -2344,7 +2340,7 @@
           <a:p>
             <a:fld id="{D89EF7DD-178B-4C96-A5A1-54F2ED06FEC6}" type="datetimeFigureOut">
               <a:rPr lang="zh-CN" altLang="en-US" smtClean="0"/>
-              <a:t>2017/9/23</a:t>
+              <a:t>2018/9/25</a:t>
             </a:fld>
             <a:endParaRPr lang="zh-CN" altLang="en-US"/>
           </a:p>
@@ -2555,7 +2551,7 @@
           <a:p>
             <a:fld id="{D89EF7DD-178B-4C96-A5A1-54F2ED06FEC6}" type="datetimeFigureOut">
               <a:rPr lang="zh-CN" altLang="en-US" smtClean="0"/>
-              <a:t>2017/9/23</a:t>
+              <a:t>2018/9/25</a:t>
             </a:fld>
             <a:endParaRPr lang="zh-CN" altLang="en-US"/>
           </a:p>
@@ -3012,8 +3008,15 @@
               <a:t>1</a:t>
             </a:r>
             <a:r>
-              <a:rPr lang="zh-CN" altLang="en-US"/>
+              <a:rPr lang="zh-CN" altLang="en-US" dirty="0"/>
               <a:t>队</a:t>
+            </a:r>
+            <a:endParaRPr lang="en-US" altLang="zh-CN" dirty="0"/>
+          </a:p>
+          <a:p>
+            <a:r>
+              <a:rPr lang="en-US" altLang="zh-CN" dirty="0"/>
+              <a:t>git</a:t>
             </a:r>
             <a:endParaRPr lang="zh-CN" altLang="en-US" dirty="0"/>
           </a:p>
